--- a/ClassExamples/Week4/A2.Chapter9-Concat.pptx
+++ b/ClassExamples/Week4/A2.Chapter9-Concat.pptx
@@ -721,7 +721,7 @@
             </a:extLst>
           </p:cNvPr>
           <p:cNvSpPr>
-            <a:spLocks noRot="1" noChangeArrowheads="1" noTextEdit="1"/>
+            <a:spLocks noGrp="1" noRot="1" noChangeAspect="1" noChangeArrowheads="1" noTextEdit="1"/>
           </p:cNvSpPr>
           <p:nvPr>
             <p:ph type="sldImg" idx="2"/>
@@ -7719,8 +7719,8 @@
           </a:extLst>
         </p:spPr>
       </p:pic>
-      <mc:AlternateContent xmlns:mc="http://schemas.openxmlformats.org/markup-compatibility/2006">
-        <mc:Choice xmlns:a14="http://schemas.microsoft.com/office/drawing/2010/main" Requires="a14">
+      <mc:AlternateContent xmlns:mc="http://schemas.openxmlformats.org/markup-compatibility/2006" xmlns:a14="http://schemas.microsoft.com/office/drawing/2010/main">
+        <mc:Choice Requires="a14">
           <p:sp>
             <p:nvSpPr>
               <p:cNvPr id="7" name="Rectangle 6">
@@ -7748,6 +7748,7 @@
               </a:bodyPr>
               <a:lstStyle/>
               <a:p>
+                <a:pPr/>
                 <a14:m>
                   <m:oMathPara xmlns:m="http://schemas.openxmlformats.org/officeDocument/2006/math">
                     <m:oMathParaPr>
@@ -7823,7 +7824,7 @@
             </p:txBody>
           </p:sp>
         </mc:Choice>
-        <mc:Fallback>
+        <mc:Fallback xmlns="">
           <p:sp>
             <p:nvSpPr>
               <p:cNvPr id="7" name="Rectangle 6">
@@ -7868,8 +7869,8 @@
           </p:sp>
         </mc:Fallback>
       </mc:AlternateContent>
-      <mc:AlternateContent xmlns:mc="http://schemas.openxmlformats.org/markup-compatibility/2006">
-        <mc:Choice xmlns:a14="http://schemas.microsoft.com/office/drawing/2010/main" Requires="a14">
+      <mc:AlternateContent xmlns:mc="http://schemas.openxmlformats.org/markup-compatibility/2006" xmlns:a14="http://schemas.microsoft.com/office/drawing/2010/main">
+        <mc:Choice Requires="a14">
           <p:sp>
             <p:nvSpPr>
               <p:cNvPr id="2" name="Rectangle 1">
@@ -8030,7 +8031,7 @@
             </p:txBody>
           </p:sp>
         </mc:Choice>
-        <mc:Fallback>
+        <mc:Fallback xmlns="">
           <p:sp>
             <p:nvSpPr>
               <p:cNvPr id="2" name="Rectangle 1">
@@ -8336,8 +8337,8 @@
           </a:p>
         </p:txBody>
       </p:sp>
-      <mc:AlternateContent xmlns:mc="http://schemas.openxmlformats.org/markup-compatibility/2006">
-        <mc:Choice xmlns:a14="http://schemas.microsoft.com/office/drawing/2010/main" Requires="a14">
+      <mc:AlternateContent xmlns:mc="http://schemas.openxmlformats.org/markup-compatibility/2006" xmlns:a14="http://schemas.microsoft.com/office/drawing/2010/main">
+        <mc:Choice Requires="a14">
           <p:sp>
             <p:nvSpPr>
               <p:cNvPr id="10" name="Rectangle 9">
@@ -8365,6 +8366,7 @@
               </a:bodyPr>
               <a:lstStyle/>
               <a:p>
+                <a:pPr/>
                 <a14:m>
                   <m:oMathPara xmlns:m="http://schemas.openxmlformats.org/officeDocument/2006/math">
                     <m:oMathParaPr>
@@ -8440,7 +8442,7 @@
             </p:txBody>
           </p:sp>
         </mc:Choice>
-        <mc:Fallback>
+        <mc:Fallback xmlns="">
           <p:sp>
             <p:nvSpPr>
               <p:cNvPr id="10" name="Rectangle 9">
@@ -8485,8 +8487,8 @@
           </p:sp>
         </mc:Fallback>
       </mc:AlternateContent>
-      <mc:AlternateContent xmlns:mc="http://schemas.openxmlformats.org/markup-compatibility/2006">
-        <mc:Choice xmlns:a14="http://schemas.microsoft.com/office/drawing/2010/main" Requires="a14">
+      <mc:AlternateContent xmlns:mc="http://schemas.openxmlformats.org/markup-compatibility/2006" xmlns:a14="http://schemas.microsoft.com/office/drawing/2010/main">
+        <mc:Choice Requires="a14">
           <p:sp>
             <p:nvSpPr>
               <p:cNvPr id="11" name="Rectangle 10">
@@ -8514,6 +8516,7 @@
               </a:bodyPr>
               <a:lstStyle/>
               <a:p>
+                <a:pPr/>
                 <a14:m>
                   <m:oMathPara xmlns:m="http://schemas.openxmlformats.org/officeDocument/2006/math">
                     <m:oMathParaPr>
@@ -8642,7 +8645,7 @@
             </p:txBody>
           </p:sp>
         </mc:Choice>
-        <mc:Fallback>
+        <mc:Fallback xmlns="">
           <p:sp>
             <p:nvSpPr>
               <p:cNvPr id="11" name="Rectangle 10">
@@ -8687,8 +8690,8 @@
           </p:sp>
         </mc:Fallback>
       </mc:AlternateContent>
-      <mc:AlternateContent xmlns:mc="http://schemas.openxmlformats.org/markup-compatibility/2006">
-        <mc:Choice xmlns:a14="http://schemas.microsoft.com/office/drawing/2010/main" Requires="a14">
+      <mc:AlternateContent xmlns:mc="http://schemas.openxmlformats.org/markup-compatibility/2006" xmlns:a14="http://schemas.microsoft.com/office/drawing/2010/main">
+        <mc:Choice Requires="a14">
           <p:sp>
             <p:nvSpPr>
               <p:cNvPr id="12" name="Rectangle 11">
@@ -8849,7 +8852,7 @@
             </p:txBody>
           </p:sp>
         </mc:Choice>
-        <mc:Fallback>
+        <mc:Fallback xmlns="">
           <p:sp>
             <p:nvSpPr>
               <p:cNvPr id="12" name="Rectangle 11">
@@ -8894,8 +8897,8 @@
           </p:sp>
         </mc:Fallback>
       </mc:AlternateContent>
-      <mc:AlternateContent xmlns:mc="http://schemas.openxmlformats.org/markup-compatibility/2006">
-        <mc:Choice xmlns:a14="http://schemas.microsoft.com/office/drawing/2010/main" Requires="a14">
+      <mc:AlternateContent xmlns:mc="http://schemas.openxmlformats.org/markup-compatibility/2006" xmlns:a14="http://schemas.microsoft.com/office/drawing/2010/main">
+        <mc:Choice Requires="a14">
           <p:sp>
             <p:nvSpPr>
               <p:cNvPr id="14" name="Rectangle 13">
@@ -8923,6 +8926,7 @@
               </a:bodyPr>
               <a:lstStyle/>
               <a:p>
+                <a:pPr/>
                 <a14:m>
                   <m:oMathPara xmlns:m="http://schemas.openxmlformats.org/officeDocument/2006/math">
                     <m:oMathParaPr>
@@ -9086,7 +9090,7 @@
             </p:txBody>
           </p:sp>
         </mc:Choice>
-        <mc:Fallback>
+        <mc:Fallback xmlns="">
           <p:sp>
             <p:nvSpPr>
               <p:cNvPr id="14" name="Rectangle 13">
@@ -9131,8 +9135,8 @@
           </p:sp>
         </mc:Fallback>
       </mc:AlternateContent>
-      <mc:AlternateContent xmlns:mc="http://schemas.openxmlformats.org/markup-compatibility/2006">
-        <mc:Choice xmlns:a14="http://schemas.microsoft.com/office/drawing/2010/main" Requires="a14">
+      <mc:AlternateContent xmlns:mc="http://schemas.openxmlformats.org/markup-compatibility/2006" xmlns:a14="http://schemas.microsoft.com/office/drawing/2010/main">
+        <mc:Choice Requires="a14">
           <p:sp>
             <p:nvSpPr>
               <p:cNvPr id="15" name="Rectangle 14">
@@ -9160,6 +9164,7 @@
               </a:bodyPr>
               <a:lstStyle/>
               <a:p>
+                <a:pPr/>
                 <a14:m>
                   <m:oMathPara xmlns:m="http://schemas.openxmlformats.org/officeDocument/2006/math">
                     <m:oMathParaPr>
@@ -9289,7 +9294,7 @@
             </p:txBody>
           </p:sp>
         </mc:Choice>
-        <mc:Fallback>
+        <mc:Fallback xmlns="">
           <p:sp>
             <p:nvSpPr>
               <p:cNvPr id="15" name="Rectangle 14">
@@ -9655,8 +9660,8 @@
           </a:extLst>
         </p:spPr>
       </p:pic>
-      <mc:AlternateContent xmlns:mc="http://schemas.openxmlformats.org/markup-compatibility/2006">
-        <mc:Choice xmlns:a14="http://schemas.microsoft.com/office/drawing/2010/main" Requires="a14">
+      <mc:AlternateContent xmlns:mc="http://schemas.openxmlformats.org/markup-compatibility/2006" xmlns:a14="http://schemas.microsoft.com/office/drawing/2010/main">
+        <mc:Choice Requires="a14">
           <p:sp>
             <p:nvSpPr>
               <p:cNvPr id="9" name="Rectangle 8">
@@ -9684,6 +9689,7 @@
               </a:bodyPr>
               <a:lstStyle/>
               <a:p>
+                <a:pPr/>
                 <a14:m>
                   <m:oMathPara xmlns:m="http://schemas.openxmlformats.org/officeDocument/2006/math">
                     <m:oMathParaPr>
@@ -9813,7 +9819,7 @@
             </p:txBody>
           </p:sp>
         </mc:Choice>
-        <mc:Fallback>
+        <mc:Fallback xmlns="">
           <p:sp>
             <p:nvSpPr>
               <p:cNvPr id="9" name="Rectangle 8">
@@ -9858,8 +9864,8 @@
           </p:sp>
         </mc:Fallback>
       </mc:AlternateContent>
-      <mc:AlternateContent xmlns:mc="http://schemas.openxmlformats.org/markup-compatibility/2006">
-        <mc:Choice xmlns:a14="http://schemas.microsoft.com/office/drawing/2010/main" Requires="a14">
+      <mc:AlternateContent xmlns:mc="http://schemas.openxmlformats.org/markup-compatibility/2006" xmlns:a14="http://schemas.microsoft.com/office/drawing/2010/main">
+        <mc:Choice Requires="a14">
           <p:sp>
             <p:nvSpPr>
               <p:cNvPr id="10" name="Rectangle 9">
@@ -10020,7 +10026,7 @@
             </p:txBody>
           </p:sp>
         </mc:Choice>
-        <mc:Fallback>
+        <mc:Fallback xmlns="">
           <p:sp>
             <p:nvSpPr>
               <p:cNvPr id="10" name="Rectangle 9">
@@ -10065,8 +10071,8 @@
           </p:sp>
         </mc:Fallback>
       </mc:AlternateContent>
-      <mc:AlternateContent xmlns:mc="http://schemas.openxmlformats.org/markup-compatibility/2006">
-        <mc:Choice xmlns:a14="http://schemas.microsoft.com/office/drawing/2010/main" Requires="a14">
+      <mc:AlternateContent xmlns:mc="http://schemas.openxmlformats.org/markup-compatibility/2006" xmlns:a14="http://schemas.microsoft.com/office/drawing/2010/main">
+        <mc:Choice Requires="a14">
           <p:sp>
             <p:nvSpPr>
               <p:cNvPr id="11" name="Rectangle 10">
@@ -10094,6 +10100,7 @@
               </a:bodyPr>
               <a:lstStyle/>
               <a:p>
+                <a:pPr/>
                 <a14:m>
                   <m:oMathPara xmlns:m="http://schemas.openxmlformats.org/officeDocument/2006/math">
                     <m:oMathParaPr>
@@ -10169,7 +10176,7 @@
             </p:txBody>
           </p:sp>
         </mc:Choice>
-        <mc:Fallback>
+        <mc:Fallback xmlns="">
           <p:sp>
             <p:nvSpPr>
               <p:cNvPr id="11" name="Rectangle 10">
@@ -10577,8 +10584,8 @@
           </a:p>
         </p:txBody>
       </p:sp>
-      <mc:AlternateContent xmlns:mc="http://schemas.openxmlformats.org/markup-compatibility/2006">
-        <mc:Choice xmlns:a14="http://schemas.microsoft.com/office/drawing/2010/main" Requires="a14">
+      <mc:AlternateContent xmlns:mc="http://schemas.openxmlformats.org/markup-compatibility/2006" xmlns:a14="http://schemas.microsoft.com/office/drawing/2010/main">
+        <mc:Choice Requires="a14">
           <p:sp>
             <p:nvSpPr>
               <p:cNvPr id="7" name="Rectangle 6">
@@ -10606,6 +10613,7 @@
               </a:bodyPr>
               <a:lstStyle/>
               <a:p>
+                <a:pPr/>
                 <a14:m>
                   <m:oMathPara xmlns:m="http://schemas.openxmlformats.org/officeDocument/2006/math">
                     <m:oMathParaPr>
@@ -10679,6 +10687,7 @@
                 <a:endParaRPr lang="en-US" altLang="en-US" b="0" dirty="0"/>
               </a:p>
               <a:p>
+                <a:pPr/>
                 <a14:m>
                   <m:oMathPara xmlns:m="http://schemas.openxmlformats.org/officeDocument/2006/math">
                     <m:oMathParaPr>
@@ -10807,7 +10816,7 @@
             </p:txBody>
           </p:sp>
         </mc:Choice>
-        <mc:Fallback>
+        <mc:Fallback xmlns="">
           <p:sp>
             <p:nvSpPr>
               <p:cNvPr id="7" name="Rectangle 6">
@@ -11574,8 +11583,8 @@
           </a:extLst>
         </p:spPr>
       </p:pic>
-      <mc:AlternateContent xmlns:mc="http://schemas.openxmlformats.org/markup-compatibility/2006">
-        <mc:Choice xmlns:a14="http://schemas.microsoft.com/office/drawing/2010/main" Requires="a14">
+      <mc:AlternateContent xmlns:mc="http://schemas.openxmlformats.org/markup-compatibility/2006" xmlns:a14="http://schemas.microsoft.com/office/drawing/2010/main">
+        <mc:Choice Requires="a14">
           <p:sp>
             <p:nvSpPr>
               <p:cNvPr id="10" name="Rectangle 9">
@@ -11603,6 +11612,7 @@
               </a:bodyPr>
               <a:lstStyle/>
               <a:p>
+                <a:pPr/>
                 <a14:m>
                   <m:oMathPara xmlns:m="http://schemas.openxmlformats.org/officeDocument/2006/math">
                     <m:oMathParaPr>
@@ -11709,7 +11719,7 @@
             </p:txBody>
           </p:sp>
         </mc:Choice>
-        <mc:Fallback>
+        <mc:Fallback xmlns="">
           <p:sp>
             <p:nvSpPr>
               <p:cNvPr id="10" name="Rectangle 9">
@@ -11754,8 +11764,8 @@
           </p:sp>
         </mc:Fallback>
       </mc:AlternateContent>
-      <mc:AlternateContent xmlns:mc="http://schemas.openxmlformats.org/markup-compatibility/2006">
-        <mc:Choice xmlns:a14="http://schemas.microsoft.com/office/drawing/2010/main" Requires="a14">
+      <mc:AlternateContent xmlns:mc="http://schemas.openxmlformats.org/markup-compatibility/2006" xmlns:a14="http://schemas.microsoft.com/office/drawing/2010/main">
+        <mc:Choice Requires="a14">
           <p:sp>
             <p:nvSpPr>
               <p:cNvPr id="11" name="Rectangle 10">
@@ -11783,6 +11793,7 @@
               </a:bodyPr>
               <a:lstStyle/>
               <a:p>
+                <a:pPr/>
                 <a14:m>
                   <m:oMathPara xmlns:m="http://schemas.openxmlformats.org/officeDocument/2006/math">
                     <m:oMathParaPr>
@@ -12138,7 +12149,7 @@
             </p:txBody>
           </p:sp>
         </mc:Choice>
-        <mc:Fallback>
+        <mc:Fallback xmlns="">
           <p:sp>
             <p:nvSpPr>
               <p:cNvPr id="11" name="Rectangle 10">
@@ -12183,8 +12194,8 @@
           </p:sp>
         </mc:Fallback>
       </mc:AlternateContent>
-      <mc:AlternateContent xmlns:mc="http://schemas.openxmlformats.org/markup-compatibility/2006">
-        <mc:Choice xmlns:a14="http://schemas.microsoft.com/office/drawing/2010/main" Requires="a14">
+      <mc:AlternateContent xmlns:mc="http://schemas.openxmlformats.org/markup-compatibility/2006" xmlns:a14="http://schemas.microsoft.com/office/drawing/2010/main">
+        <mc:Choice Requires="a14">
           <p:sp>
             <p:nvSpPr>
               <p:cNvPr id="12" name="Rectangle 11">
@@ -12212,6 +12223,7 @@
               </a:bodyPr>
               <a:lstStyle/>
               <a:p>
+                <a:pPr/>
                 <a14:m>
                   <m:oMathPara xmlns:m="http://schemas.openxmlformats.org/officeDocument/2006/math">
                     <m:oMathParaPr>
@@ -12256,19 +12268,7 @@
                             <a:rPr lang="en-US" altLang="en-US" sz="2400" b="0" i="1" smtClean="0">
                               <a:latin typeface="Cambria Math" panose="02040503050406030204" pitchFamily="18" charset="0"/>
                             </a:rPr>
-                            <m:t>3</m:t>
-                          </m:r>
-                          <m:r>
-                            <a:rPr lang="en-US" altLang="en-US" sz="2400" b="0" i="1" smtClean="0">
-                              <a:latin typeface="Cambria Math" panose="02040503050406030204" pitchFamily="18" charset="0"/>
-                            </a:rPr>
-                            <m:t>,</m:t>
-                          </m:r>
-                          <m:r>
-                            <a:rPr lang="en-US" altLang="en-US" sz="2400" b="0" i="1" smtClean="0">
-                              <a:latin typeface="Cambria Math" panose="02040503050406030204" pitchFamily="18" charset="0"/>
-                            </a:rPr>
-                            <m:t>0.5</m:t>
+                            <m:t>3,0.5</m:t>
                           </m:r>
                         </m:e>
                       </m:d>
@@ -12297,19 +12297,7 @@
                             <a:rPr lang="en-US" altLang="en-US" sz="2400" b="0" i="1" smtClean="0">
                               <a:latin typeface="Cambria Math" panose="02040503050406030204" pitchFamily="18" charset="0"/>
                             </a:rPr>
-                            <m:t>1</m:t>
-                          </m:r>
-                          <m:r>
-                            <a:rPr lang="en-US" altLang="en-US" sz="2400" b="0" i="1" smtClean="0">
-                              <a:latin typeface="Cambria Math" panose="02040503050406030204" pitchFamily="18" charset="0"/>
-                            </a:rPr>
-                            <m:t>,</m:t>
-                          </m:r>
-                          <m:r>
-                            <a:rPr lang="en-US" altLang="en-US" sz="2400" b="0" i="1" smtClean="0">
-                              <a:latin typeface="Cambria Math" panose="02040503050406030204" pitchFamily="18" charset="0"/>
-                            </a:rPr>
-                            <m:t>5</m:t>
+                            <m:t>1,5</m:t>
                           </m:r>
                         </m:e>
                       </m:d>
@@ -12338,19 +12326,7 @@
                             <a:rPr lang="en-US" altLang="en-US" sz="2400" b="0" i="1" smtClean="0">
                               <a:latin typeface="Cambria Math" panose="02040503050406030204" pitchFamily="18" charset="0"/>
                             </a:rPr>
-                            <m:t>3</m:t>
-                          </m:r>
-                          <m:r>
-                            <a:rPr lang="en-US" altLang="en-US" sz="2400" b="0" i="1" smtClean="0">
-                              <a:latin typeface="Cambria Math" panose="02040503050406030204" pitchFamily="18" charset="0"/>
-                            </a:rPr>
-                            <m:t>,</m:t>
-                          </m:r>
-                          <m:r>
-                            <a:rPr lang="en-US" altLang="en-US" sz="2400" b="0" i="1" smtClean="0">
-                              <a:latin typeface="Cambria Math" panose="02040503050406030204" pitchFamily="18" charset="0"/>
-                            </a:rPr>
-                            <m:t>0.5</m:t>
+                            <m:t>3,0.5</m:t>
                           </m:r>
                         </m:e>
                       </m:d>
@@ -12379,25 +12355,7 @@
                             <a:rPr lang="en-US" altLang="en-US" sz="2400" b="0" i="1" smtClean="0">
                               <a:latin typeface="Cambria Math" panose="02040503050406030204" pitchFamily="18" charset="0"/>
                             </a:rPr>
-                            <m:t>−1</m:t>
-                          </m:r>
-                          <m:r>
-                            <a:rPr lang="en-US" altLang="en-US" sz="2400" b="0" i="1" smtClean="0">
-                              <a:latin typeface="Cambria Math" panose="02040503050406030204" pitchFamily="18" charset="0"/>
-                            </a:rPr>
-                            <m:t>,</m:t>
-                          </m:r>
-                          <m:r>
-                            <a:rPr lang="en-US" altLang="en-US" sz="2400" b="0" i="1" smtClean="0">
-                              <a:latin typeface="Cambria Math" panose="02040503050406030204" pitchFamily="18" charset="0"/>
-                            </a:rPr>
-                            <m:t>−5</m:t>
-                          </m:r>
-                          <m:r>
-                            <a:rPr lang="en-US" altLang="en-US" sz="2400" b="0" i="1" smtClean="0">
-                              <a:latin typeface="Cambria Math" panose="02040503050406030204" pitchFamily="18" charset="0"/>
-                            </a:rPr>
-                            <m:t> </m:t>
+                            <m:t>−1,−5 </m:t>
                           </m:r>
                         </m:e>
                       </m:d>
@@ -12409,7 +12367,7 @@
             </p:txBody>
           </p:sp>
         </mc:Choice>
-        <mc:Fallback>
+        <mc:Fallback xmlns="">
           <p:sp>
             <p:nvSpPr>
               <p:cNvPr id="12" name="Rectangle 11">
@@ -12788,8 +12746,8 @@
           </a:extLst>
         </p:spPr>
       </p:pic>
-      <mc:AlternateContent xmlns:mc="http://schemas.openxmlformats.org/markup-compatibility/2006">
-        <mc:Choice xmlns:a14="http://schemas.microsoft.com/office/drawing/2010/main" Requires="a14">
+      <mc:AlternateContent xmlns:mc="http://schemas.openxmlformats.org/markup-compatibility/2006" xmlns:a14="http://schemas.microsoft.com/office/drawing/2010/main">
+        <mc:Choice Requires="a14">
           <p:sp>
             <p:nvSpPr>
               <p:cNvPr id="8" name="Rectangle 7">
@@ -12817,6 +12775,7 @@
               </a:bodyPr>
               <a:lstStyle/>
               <a:p>
+                <a:pPr/>
                 <a14:m>
                   <m:oMathPara xmlns:m="http://schemas.openxmlformats.org/officeDocument/2006/math">
                     <m:oMathParaPr>
@@ -12923,7 +12882,7 @@
             </p:txBody>
           </p:sp>
         </mc:Choice>
-        <mc:Fallback>
+        <mc:Fallback xmlns="">
           <p:sp>
             <p:nvSpPr>
               <p:cNvPr id="8" name="Rectangle 7">
@@ -12968,8 +12927,8 @@
           </p:sp>
         </mc:Fallback>
       </mc:AlternateContent>
-      <mc:AlternateContent xmlns:mc="http://schemas.openxmlformats.org/markup-compatibility/2006">
-        <mc:Choice xmlns:a14="http://schemas.microsoft.com/office/drawing/2010/main" Requires="a14">
+      <mc:AlternateContent xmlns:mc="http://schemas.openxmlformats.org/markup-compatibility/2006" xmlns:a14="http://schemas.microsoft.com/office/drawing/2010/main">
+        <mc:Choice Requires="a14">
           <p:sp>
             <p:nvSpPr>
               <p:cNvPr id="9" name="Rectangle 8">
@@ -12997,6 +12956,7 @@
               </a:bodyPr>
               <a:lstStyle/>
               <a:p>
+                <a:pPr/>
                 <a14:m>
                   <m:oMathPara xmlns:m="http://schemas.openxmlformats.org/officeDocument/2006/math">
                     <m:oMathParaPr>
@@ -13255,7 +13215,7 @@
             </p:txBody>
           </p:sp>
         </mc:Choice>
-        <mc:Fallback>
+        <mc:Fallback xmlns="">
           <p:sp>
             <p:nvSpPr>
               <p:cNvPr id="9" name="Rectangle 8">
@@ -13920,8 +13880,8 @@
           </a:extLst>
         </p:spPr>
       </p:pic>
-      <mc:AlternateContent xmlns:mc="http://schemas.openxmlformats.org/markup-compatibility/2006">
-        <mc:Choice xmlns:a14="http://schemas.microsoft.com/office/drawing/2010/main" Requires="a14">
+      <mc:AlternateContent xmlns:mc="http://schemas.openxmlformats.org/markup-compatibility/2006" xmlns:a14="http://schemas.microsoft.com/office/drawing/2010/main">
+        <mc:Choice Requires="a14">
           <p:sp>
             <p:nvSpPr>
               <p:cNvPr id="12" name="Rectangle 11">
@@ -13949,6 +13909,7 @@
               </a:bodyPr>
               <a:lstStyle/>
               <a:p>
+                <a:pPr/>
                 <a14:m>
                   <m:oMathPara xmlns:m="http://schemas.openxmlformats.org/officeDocument/2006/math">
                     <m:oMathParaPr>
@@ -13976,13 +13937,7 @@
                             <a:rPr lang="en-US" altLang="en-US" sz="2400" b="0" i="1" smtClean="0">
                               <a:latin typeface="Cambria Math" panose="02040503050406030204" pitchFamily="18" charset="0"/>
                             </a:rPr>
-                            <m:t>𝑎</m:t>
-                          </m:r>
-                          <m:r>
-                            <a:rPr lang="en-US" altLang="en-US" sz="2400" b="0" i="1" smtClean="0">
-                              <a:latin typeface="Cambria Math" panose="02040503050406030204" pitchFamily="18" charset="0"/>
-                            </a:rPr>
-                            <m:t>𝑡</m:t>
+                            <m:t>𝑎𝑡</m:t>
                           </m:r>
                         </m:sub>
                       </m:sSub>
@@ -14035,6 +13990,7 @@
                 <a:endParaRPr lang="en-US" altLang="en-US" sz="2400" b="0" dirty="0"/>
               </a:p>
               <a:p>
+                <a:pPr/>
                 <a14:m>
                   <m:oMathPara xmlns:m="http://schemas.openxmlformats.org/officeDocument/2006/math">
                     <m:oMathParaPr>
@@ -14062,13 +14018,7 @@
                             <a:rPr lang="en-US" altLang="en-US" sz="2400" b="0" i="1" smtClean="0">
                               <a:latin typeface="Cambria Math" panose="02040503050406030204" pitchFamily="18" charset="0"/>
                             </a:rPr>
-                            <m:t>𝑎𝑡</m:t>
-                          </m:r>
-                          <m:r>
-                            <a:rPr lang="en-US" altLang="en-US" sz="2400" b="0" i="1" smtClean="0">
-                              <a:latin typeface="Cambria Math" panose="02040503050406030204" pitchFamily="18" charset="0"/>
-                            </a:rPr>
-                            <m:t>𝑠</m:t>
+                            <m:t>𝑎𝑡𝑠</m:t>
                           </m:r>
                         </m:sub>
                       </m:sSub>
@@ -14111,13 +14061,7 @@
                             <a:rPr lang="en-US" altLang="en-US" sz="2400" b="0" i="1" smtClean="0">
                               <a:latin typeface="Cambria Math" panose="02040503050406030204" pitchFamily="18" charset="0"/>
                             </a:rPr>
-                            <m:t>𝑎</m:t>
-                          </m:r>
-                          <m:r>
-                            <a:rPr lang="en-US" altLang="en-US" sz="2400" b="0" i="1" smtClean="0">
-                              <a:latin typeface="Cambria Math" panose="02040503050406030204" pitchFamily="18" charset="0"/>
-                            </a:rPr>
-                            <m:t>𝑡</m:t>
+                            <m:t>𝑎𝑡</m:t>
                           </m:r>
                         </m:sub>
                       </m:sSub>
@@ -14187,7 +14131,7 @@
             </p:txBody>
           </p:sp>
         </mc:Choice>
-        <mc:Fallback>
+        <mc:Fallback xmlns="">
           <p:sp>
             <p:nvSpPr>
               <p:cNvPr id="12" name="Rectangle 11">
@@ -14232,8 +14176,8 @@
           </p:sp>
         </mc:Fallback>
       </mc:AlternateContent>
-      <mc:AlternateContent xmlns:mc="http://schemas.openxmlformats.org/markup-compatibility/2006">
-        <mc:Choice xmlns:a14="http://schemas.microsoft.com/office/drawing/2010/main" Requires="a14">
+      <mc:AlternateContent xmlns:mc="http://schemas.openxmlformats.org/markup-compatibility/2006" xmlns:a14="http://schemas.microsoft.com/office/drawing/2010/main">
+        <mc:Choice Requires="a14">
           <p:sp>
             <p:nvSpPr>
               <p:cNvPr id="13" name="Rectangle 12">
@@ -14261,6 +14205,7 @@
               </a:bodyPr>
               <a:lstStyle/>
               <a:p>
+                <a:pPr/>
                 <a14:m>
                   <m:oMathPara xmlns:m="http://schemas.openxmlformats.org/officeDocument/2006/math">
                     <m:oMathParaPr>
@@ -14394,7 +14339,7 @@
             </p:txBody>
           </p:sp>
         </mc:Choice>
-        <mc:Fallback>
+        <mc:Fallback xmlns="">
           <p:sp>
             <p:nvSpPr>
               <p:cNvPr id="13" name="Rectangle 12">
@@ -14439,8 +14384,8 @@
           </p:sp>
         </mc:Fallback>
       </mc:AlternateContent>
-      <mc:AlternateContent xmlns:mc="http://schemas.openxmlformats.org/markup-compatibility/2006">
-        <mc:Choice xmlns:a14="http://schemas.microsoft.com/office/drawing/2010/main" Requires="a14">
+      <mc:AlternateContent xmlns:mc="http://schemas.openxmlformats.org/markup-compatibility/2006" xmlns:a14="http://schemas.microsoft.com/office/drawing/2010/main">
+        <mc:Choice Requires="a14">
           <p:sp>
             <p:nvSpPr>
               <p:cNvPr id="14" name="Rectangle 13">
@@ -14468,6 +14413,7 @@
               </a:bodyPr>
               <a:lstStyle/>
               <a:p>
+                <a:pPr/>
                 <a14:m>
                   <m:oMathPara xmlns:m="http://schemas.openxmlformats.org/officeDocument/2006/math">
                     <m:oMathParaPr>
@@ -14584,13 +14530,7 @@
                                       <a:rPr lang="en-US" altLang="en-US" sz="2400" b="0" i="1" smtClean="0">
                                         <a:latin typeface="Cambria Math" panose="02040503050406030204" pitchFamily="18" charset="0"/>
                                       </a:rPr>
-                                      <m:t>𝑎</m:t>
-                                    </m:r>
-                                    <m:r>
-                                      <a:rPr lang="en-US" altLang="en-US" sz="2400" b="0" i="1" smtClean="0">
-                                        <a:latin typeface="Cambria Math" panose="02040503050406030204" pitchFamily="18" charset="0"/>
-                                      </a:rPr>
-                                      <m:t>𝑡</m:t>
+                                      <m:t>𝑎𝑡</m:t>
                                     </m:r>
                                   </m:sub>
                                 </m:sSub>
@@ -14763,7 +14703,7 @@
             </p:txBody>
           </p:sp>
         </mc:Choice>
-        <mc:Fallback>
+        <mc:Fallback xmlns="">
           <p:sp>
             <p:nvSpPr>
               <p:cNvPr id="14" name="Rectangle 13">
@@ -14808,8 +14748,8 @@
           </p:sp>
         </mc:Fallback>
       </mc:AlternateContent>
-      <mc:AlternateContent xmlns:mc="http://schemas.openxmlformats.org/markup-compatibility/2006">
-        <mc:Choice xmlns:a14="http://schemas.microsoft.com/office/drawing/2010/main" Requires="a14">
+      <mc:AlternateContent xmlns:mc="http://schemas.openxmlformats.org/markup-compatibility/2006" xmlns:a14="http://schemas.microsoft.com/office/drawing/2010/main">
+        <mc:Choice Requires="a14">
           <p:sp>
             <p:nvSpPr>
               <p:cNvPr id="15" name="Rectangle 14">
@@ -14837,6 +14777,7 @@
               </a:bodyPr>
               <a:lstStyle/>
               <a:p>
+                <a:pPr/>
                 <a14:m>
                   <m:oMathPara xmlns:m="http://schemas.openxmlformats.org/officeDocument/2006/math">
                     <m:oMathParaPr>
@@ -15314,7 +15255,7 @@
             </p:txBody>
           </p:sp>
         </mc:Choice>
-        <mc:Fallback>
+        <mc:Fallback xmlns="">
           <p:sp>
             <p:nvSpPr>
               <p:cNvPr id="15" name="Rectangle 14">
@@ -15681,8 +15622,8 @@
           </a:extLst>
         </p:spPr>
       </p:pic>
-      <mc:AlternateContent xmlns:mc="http://schemas.openxmlformats.org/markup-compatibility/2006">
-        <mc:Choice xmlns:a14="http://schemas.microsoft.com/office/drawing/2010/main" Requires="a14">
+      <mc:AlternateContent xmlns:mc="http://schemas.openxmlformats.org/markup-compatibility/2006" xmlns:a14="http://schemas.microsoft.com/office/drawing/2010/main">
+        <mc:Choice Requires="a14">
           <p:sp>
             <p:nvSpPr>
               <p:cNvPr id="8" name="Rectangle 7">
@@ -15710,6 +15651,7 @@
               </a:bodyPr>
               <a:lstStyle/>
               <a:p>
+                <a:pPr/>
                 <a14:m>
                   <m:oMathPara xmlns:m="http://schemas.openxmlformats.org/officeDocument/2006/math">
                     <m:oMathParaPr>
@@ -15898,7 +15840,7 @@
             </p:txBody>
           </p:sp>
         </mc:Choice>
-        <mc:Fallback>
+        <mc:Fallback xmlns="">
           <p:sp>
             <p:nvSpPr>
               <p:cNvPr id="8" name="Rectangle 7">
@@ -15943,8 +15885,8 @@
           </p:sp>
         </mc:Fallback>
       </mc:AlternateContent>
-      <mc:AlternateContent xmlns:mc="http://schemas.openxmlformats.org/markup-compatibility/2006">
-        <mc:Choice xmlns:a14="http://schemas.microsoft.com/office/drawing/2010/main" Requires="a14">
+      <mc:AlternateContent xmlns:mc="http://schemas.openxmlformats.org/markup-compatibility/2006" xmlns:a14="http://schemas.microsoft.com/office/drawing/2010/main">
+        <mc:Choice Requires="a14">
           <p:sp>
             <p:nvSpPr>
               <p:cNvPr id="2" name="Rectangle 1">
@@ -15972,6 +15914,7 @@
               </a:bodyPr>
               <a:lstStyle/>
               <a:p>
+                <a:pPr/>
                 <a14:m>
                   <m:oMathPara xmlns:m="http://schemas.openxmlformats.org/officeDocument/2006/math">
                     <m:oMathParaPr>
@@ -16070,7 +16013,7 @@
             </p:txBody>
           </p:sp>
         </mc:Choice>
-        <mc:Fallback>
+        <mc:Fallback xmlns="">
           <p:sp>
             <p:nvSpPr>
               <p:cNvPr id="2" name="Rectangle 1">
@@ -16394,8 +16337,8 @@
           </a:p>
         </p:txBody>
       </p:sp>
-      <mc:AlternateContent xmlns:mc="http://schemas.openxmlformats.org/markup-compatibility/2006">
-        <mc:Choice xmlns:a14="http://schemas.microsoft.com/office/drawing/2010/main" Requires="a14">
+      <mc:AlternateContent xmlns:mc="http://schemas.openxmlformats.org/markup-compatibility/2006" xmlns:a14="http://schemas.microsoft.com/office/drawing/2010/main">
+        <mc:Choice Requires="a14">
           <p:sp>
             <p:nvSpPr>
               <p:cNvPr id="7" name="Rectangle 6">
@@ -16423,6 +16366,7 @@
               </a:bodyPr>
               <a:lstStyle/>
               <a:p>
+                <a:pPr/>
                 <a14:m>
                   <m:oMathPara xmlns:m="http://schemas.openxmlformats.org/officeDocument/2006/math">
                     <m:oMathParaPr>
@@ -16486,7 +16430,7 @@
             </p:txBody>
           </p:sp>
         </mc:Choice>
-        <mc:Fallback>
+        <mc:Fallback xmlns="">
           <p:sp>
             <p:nvSpPr>
               <p:cNvPr id="7" name="Rectangle 6">
@@ -16531,8 +16475,8 @@
           </p:sp>
         </mc:Fallback>
       </mc:AlternateContent>
-      <mc:AlternateContent xmlns:mc="http://schemas.openxmlformats.org/markup-compatibility/2006">
-        <mc:Choice xmlns:a14="http://schemas.microsoft.com/office/drawing/2010/main" Requires="a14">
+      <mc:AlternateContent xmlns:mc="http://schemas.openxmlformats.org/markup-compatibility/2006" xmlns:a14="http://schemas.microsoft.com/office/drawing/2010/main">
+        <mc:Choice Requires="a14">
           <p:sp>
             <p:nvSpPr>
               <p:cNvPr id="8" name="Rectangle 7">
@@ -16560,6 +16504,7 @@
               </a:bodyPr>
               <a:lstStyle/>
               <a:p>
+                <a:pPr/>
                 <a14:m>
                   <m:oMathPara xmlns:m="http://schemas.openxmlformats.org/officeDocument/2006/math">
                     <m:oMathParaPr>
@@ -16894,7 +16839,7 @@
             </p:txBody>
           </p:sp>
         </mc:Choice>
-        <mc:Fallback>
+        <mc:Fallback xmlns="">
           <p:sp>
             <p:nvSpPr>
               <p:cNvPr id="8" name="Rectangle 7">
@@ -17932,8 +17877,8 @@
           </p:spPr>
         </p:pic>
       </p:grpSp>
-      <mc:AlternateContent xmlns:mc="http://schemas.openxmlformats.org/markup-compatibility/2006">
-        <mc:Choice xmlns:a14="http://schemas.microsoft.com/office/drawing/2010/main" Requires="a14">
+      <mc:AlternateContent xmlns:mc="http://schemas.openxmlformats.org/markup-compatibility/2006" xmlns:a14="http://schemas.microsoft.com/office/drawing/2010/main">
+        <mc:Choice Requires="a14">
           <p:sp>
             <p:nvSpPr>
               <p:cNvPr id="12" name="Rectangle 11">
@@ -17961,6 +17906,7 @@
               </a:bodyPr>
               <a:lstStyle/>
               <a:p>
+                <a:pPr/>
                 <a14:m>
                   <m:oMathPara xmlns:m="http://schemas.openxmlformats.org/officeDocument/2006/math">
                     <m:oMathParaPr>
@@ -18059,7 +18005,7 @@
             </p:txBody>
           </p:sp>
         </mc:Choice>
-        <mc:Fallback>
+        <mc:Fallback xmlns="">
           <p:sp>
             <p:nvSpPr>
               <p:cNvPr id="12" name="Rectangle 11">
@@ -18120,8 +18066,8 @@
             </p:nvSpPr>
             <p:spPr>
               <a:xfrm>
-                <a:off x="1182688" y="3814152"/>
-                <a:ext cx="7323287" cy="1077474"/>
+                <a:off x="1066800" y="3814152"/>
+                <a:ext cx="7439175" cy="1077474"/>
               </a:xfrm>
               <a:prstGeom prst="rect">
                 <a:avLst/>
@@ -18133,6 +18079,7 @@
               </a:bodyPr>
               <a:lstStyle/>
               <a:p>
+                <a:pPr/>
                 <a14:m>
                   <m:oMathPara xmlns:m="http://schemas.openxmlformats.org/officeDocument/2006/math">
                     <m:oMathParaPr>
@@ -18428,6 +18375,12 @@
                                   <a:rPr lang="en-US" altLang="en-US" sz="2400" b="0" i="1" smtClean="0">
                                     <a:latin typeface="Cambria Math" panose="02040503050406030204" pitchFamily="18" charset="0"/>
                                   </a:rPr>
+                                  <m:t>−</m:t>
+                                </m:r>
+                                <m:r>
+                                  <a:rPr lang="en-US" altLang="en-US" sz="2400" b="0" i="1" smtClean="0">
+                                    <a:latin typeface="Cambria Math" panose="02040503050406030204" pitchFamily="18" charset="0"/>
+                                  </a:rPr>
                                   <m:t>1</m:t>
                                 </m:r>
                               </m:e>
@@ -18463,8 +18416,8 @@
             </p:nvSpPr>
             <p:spPr>
               <a:xfrm>
-                <a:off x="1182688" y="3814152"/>
-                <a:ext cx="7323287" cy="1077474"/>
+                <a:off x="1066800" y="3814152"/>
+                <a:ext cx="7439175" cy="1077474"/>
               </a:xfrm>
               <a:prstGeom prst="rect">
                 <a:avLst/>
@@ -18491,8 +18444,8 @@
           </p:sp>
         </mc:Fallback>
       </mc:AlternateContent>
-      <mc:AlternateContent xmlns:mc="http://schemas.openxmlformats.org/markup-compatibility/2006">
-        <mc:Choice xmlns:a14="http://schemas.microsoft.com/office/drawing/2010/main" Requires="a14">
+      <mc:AlternateContent xmlns:mc="http://schemas.openxmlformats.org/markup-compatibility/2006" xmlns:a14="http://schemas.microsoft.com/office/drawing/2010/main">
+        <mc:Choice Requires="a14">
           <p:sp>
             <p:nvSpPr>
               <p:cNvPr id="14" name="Rectangle 13">
@@ -18520,6 +18473,7 @@
               </a:bodyPr>
               <a:lstStyle/>
               <a:p>
+                <a:pPr/>
                 <a14:m>
                   <m:oMathPara xmlns:m="http://schemas.openxmlformats.org/officeDocument/2006/math">
                     <m:oMathParaPr>
@@ -18839,7 +18793,7 @@
             </p:txBody>
           </p:sp>
         </mc:Choice>
-        <mc:Fallback>
+        <mc:Fallback xmlns="">
           <p:sp>
             <p:nvSpPr>
               <p:cNvPr id="14" name="Rectangle 13">
@@ -19154,8 +19108,8 @@
           </a:p>
         </p:txBody>
       </p:sp>
-      <mc:AlternateContent xmlns:mc="http://schemas.openxmlformats.org/markup-compatibility/2006">
-        <mc:Choice xmlns:a14="http://schemas.microsoft.com/office/drawing/2010/main" Requires="a14">
+      <mc:AlternateContent xmlns:mc="http://schemas.openxmlformats.org/markup-compatibility/2006" xmlns:a14="http://schemas.microsoft.com/office/drawing/2010/main">
+        <mc:Choice Requires="a14">
           <p:sp>
             <p:nvSpPr>
               <p:cNvPr id="9" name="Rectangle 8">
@@ -19183,6 +19137,7 @@
               </a:bodyPr>
               <a:lstStyle/>
               <a:p>
+                <a:pPr/>
                 <a14:m>
                   <m:oMathPara xmlns:m="http://schemas.openxmlformats.org/officeDocument/2006/math">
                     <m:oMathParaPr>
@@ -19371,7 +19326,7 @@
             </p:txBody>
           </p:sp>
         </mc:Choice>
-        <mc:Fallback>
+        <mc:Fallback xmlns="">
           <p:sp>
             <p:nvSpPr>
               <p:cNvPr id="9" name="Rectangle 8">
@@ -19416,8 +19371,8 @@
           </p:sp>
         </mc:Fallback>
       </mc:AlternateContent>
-      <mc:AlternateContent xmlns:mc="http://schemas.openxmlformats.org/markup-compatibility/2006">
-        <mc:Choice xmlns:a14="http://schemas.microsoft.com/office/drawing/2010/main" Requires="a14">
+      <mc:AlternateContent xmlns:mc="http://schemas.openxmlformats.org/markup-compatibility/2006" xmlns:a14="http://schemas.microsoft.com/office/drawing/2010/main">
+        <mc:Choice Requires="a14">
           <p:sp>
             <p:nvSpPr>
               <p:cNvPr id="10" name="Rectangle 9">
@@ -19445,6 +19400,7 @@
               </a:bodyPr>
               <a:lstStyle/>
               <a:p>
+                <a:pPr/>
                 <a14:m>
                   <m:oMathPara xmlns:m="http://schemas.openxmlformats.org/officeDocument/2006/math">
                     <m:oMathParaPr>
@@ -19639,7 +19595,7 @@
             </p:txBody>
           </p:sp>
         </mc:Choice>
-        <mc:Fallback>
+        <mc:Fallback xmlns="">
           <p:sp>
             <p:nvSpPr>
               <p:cNvPr id="10" name="Rectangle 9">
@@ -20075,8 +20031,8 @@
           </a:extLst>
         </p:spPr>
       </p:pic>
-      <mc:AlternateContent xmlns:mc="http://schemas.openxmlformats.org/markup-compatibility/2006">
-        <mc:Choice xmlns:a14="http://schemas.microsoft.com/office/drawing/2010/main" Requires="a14">
+      <mc:AlternateContent xmlns:mc="http://schemas.openxmlformats.org/markup-compatibility/2006" xmlns:a14="http://schemas.microsoft.com/office/drawing/2010/main">
+        <mc:Choice Requires="a14">
           <p:sp>
             <p:nvSpPr>
               <p:cNvPr id="15" name="Rectangle 14">
@@ -20104,6 +20060,7 @@
               </a:bodyPr>
               <a:lstStyle/>
               <a:p>
+                <a:pPr/>
                 <a14:m>
                   <m:oMathPara xmlns:m="http://schemas.openxmlformats.org/officeDocument/2006/math">
                     <m:oMathParaPr>
@@ -20167,7 +20124,7 @@
             </p:txBody>
           </p:sp>
         </mc:Choice>
-        <mc:Fallback>
+        <mc:Fallback xmlns="">
           <p:sp>
             <p:nvSpPr>
               <p:cNvPr id="15" name="Rectangle 14">
@@ -20212,8 +20169,8 @@
           </p:sp>
         </mc:Fallback>
       </mc:AlternateContent>
-      <mc:AlternateContent xmlns:mc="http://schemas.openxmlformats.org/markup-compatibility/2006">
-        <mc:Choice xmlns:a14="http://schemas.microsoft.com/office/drawing/2010/main" Requires="a14">
+      <mc:AlternateContent xmlns:mc="http://schemas.openxmlformats.org/markup-compatibility/2006" xmlns:a14="http://schemas.microsoft.com/office/drawing/2010/main">
+        <mc:Choice Requires="a14">
           <p:sp>
             <p:nvSpPr>
               <p:cNvPr id="16" name="Rectangle 15">
@@ -20241,6 +20198,7 @@
               </a:bodyPr>
               <a:lstStyle/>
               <a:p>
+                <a:pPr/>
                 <a14:m>
                   <m:oMathPara xmlns:m="http://schemas.openxmlformats.org/officeDocument/2006/math">
                     <m:oMathParaPr>
@@ -20333,7 +20291,7 @@
             </p:txBody>
           </p:sp>
         </mc:Choice>
-        <mc:Fallback>
+        <mc:Fallback xmlns="">
           <p:sp>
             <p:nvSpPr>
               <p:cNvPr id="16" name="Rectangle 15">
@@ -20448,8 +20406,8 @@
           </a:extLst>
         </p:spPr>
       </p:pic>
-      <mc:AlternateContent xmlns:mc="http://schemas.openxmlformats.org/markup-compatibility/2006">
-        <mc:Choice xmlns:a14="http://schemas.microsoft.com/office/drawing/2010/main" Requires="a14">
+      <mc:AlternateContent xmlns:mc="http://schemas.openxmlformats.org/markup-compatibility/2006" xmlns:a14="http://schemas.microsoft.com/office/drawing/2010/main">
+        <mc:Choice Requires="a14">
           <p:sp>
             <p:nvSpPr>
               <p:cNvPr id="18" name="Rectangle 17">
@@ -20583,7 +20541,7 @@
             </p:txBody>
           </p:sp>
         </mc:Choice>
-        <mc:Fallback>
+        <mc:Fallback xmlns="">
           <p:sp>
             <p:nvSpPr>
               <p:cNvPr id="18" name="Rectangle 17">
